--- a/Dokumentácia a propagácia/poster boky.pptx
+++ b/Dokumentácia a propagácia/poster boky.pptx
@@ -192,7 +192,7 @@
           <a:p>
             <a:fld id="{03E6D7B9-1866-4663-86DC-96B9B613D958}" type="datetimeFigureOut">
               <a:rPr lang="en-US" smtClean="0"/>
-              <a:t>10/8/2017</a:t>
+              <a:t>10/9/2017</a:t>
             </a:fld>
             <a:endParaRPr lang="en-US"/>
           </a:p>
@@ -725,7 +725,7 @@
           <a:p>
             <a:fld id="{0A6739DA-CCA4-41B1-9D97-8B4E249E8D57}" type="datetimeFigureOut">
               <a:rPr lang="en-US" smtClean="0"/>
-              <a:t>10/8/2017</a:t>
+              <a:t>10/9/2017</a:t>
             </a:fld>
             <a:endParaRPr lang="en-US"/>
           </a:p>
@@ -895,7 +895,7 @@
           <a:p>
             <a:fld id="{0A6739DA-CCA4-41B1-9D97-8B4E249E8D57}" type="datetimeFigureOut">
               <a:rPr lang="en-US" smtClean="0"/>
-              <a:t>10/8/2017</a:t>
+              <a:t>10/9/2017</a:t>
             </a:fld>
             <a:endParaRPr lang="en-US"/>
           </a:p>
@@ -1075,7 +1075,7 @@
           <a:p>
             <a:fld id="{0A6739DA-CCA4-41B1-9D97-8B4E249E8D57}" type="datetimeFigureOut">
               <a:rPr lang="en-US" smtClean="0"/>
-              <a:t>10/8/2017</a:t>
+              <a:t>10/9/2017</a:t>
             </a:fld>
             <a:endParaRPr lang="en-US"/>
           </a:p>
@@ -1245,7 +1245,7 @@
           <a:p>
             <a:fld id="{0A6739DA-CCA4-41B1-9D97-8B4E249E8D57}" type="datetimeFigureOut">
               <a:rPr lang="en-US" smtClean="0"/>
-              <a:t>10/8/2017</a:t>
+              <a:t>10/9/2017</a:t>
             </a:fld>
             <a:endParaRPr lang="en-US"/>
           </a:p>
@@ -1491,7 +1491,7 @@
           <a:p>
             <a:fld id="{0A6739DA-CCA4-41B1-9D97-8B4E249E8D57}" type="datetimeFigureOut">
               <a:rPr lang="en-US" smtClean="0"/>
-              <a:t>10/8/2017</a:t>
+              <a:t>10/9/2017</a:t>
             </a:fld>
             <a:endParaRPr lang="en-US"/>
           </a:p>
@@ -1779,7 +1779,7 @@
           <a:p>
             <a:fld id="{0A6739DA-CCA4-41B1-9D97-8B4E249E8D57}" type="datetimeFigureOut">
               <a:rPr lang="en-US" smtClean="0"/>
-              <a:t>10/8/2017</a:t>
+              <a:t>10/9/2017</a:t>
             </a:fld>
             <a:endParaRPr lang="en-US"/>
           </a:p>
@@ -2206,7 +2206,7 @@
           <a:p>
             <a:fld id="{0A6739DA-CCA4-41B1-9D97-8B4E249E8D57}" type="datetimeFigureOut">
               <a:rPr lang="en-US" smtClean="0"/>
-              <a:t>10/8/2017</a:t>
+              <a:t>10/9/2017</a:t>
             </a:fld>
             <a:endParaRPr lang="en-US"/>
           </a:p>
@@ -2324,7 +2324,7 @@
           <a:p>
             <a:fld id="{0A6739DA-CCA4-41B1-9D97-8B4E249E8D57}" type="datetimeFigureOut">
               <a:rPr lang="en-US" smtClean="0"/>
-              <a:t>10/8/2017</a:t>
+              <a:t>10/9/2017</a:t>
             </a:fld>
             <a:endParaRPr lang="en-US"/>
           </a:p>
@@ -2419,7 +2419,7 @@
           <a:p>
             <a:fld id="{0A6739DA-CCA4-41B1-9D97-8B4E249E8D57}" type="datetimeFigureOut">
               <a:rPr lang="en-US" smtClean="0"/>
-              <a:t>10/8/2017</a:t>
+              <a:t>10/9/2017</a:t>
             </a:fld>
             <a:endParaRPr lang="en-US"/>
           </a:p>
@@ -2696,7 +2696,7 @@
           <a:p>
             <a:fld id="{0A6739DA-CCA4-41B1-9D97-8B4E249E8D57}" type="datetimeFigureOut">
               <a:rPr lang="en-US" smtClean="0"/>
-              <a:t>10/8/2017</a:t>
+              <a:t>10/9/2017</a:t>
             </a:fld>
             <a:endParaRPr lang="en-US"/>
           </a:p>
@@ -2949,7 +2949,7 @@
           <a:p>
             <a:fld id="{0A6739DA-CCA4-41B1-9D97-8B4E249E8D57}" type="datetimeFigureOut">
               <a:rPr lang="en-US" smtClean="0"/>
-              <a:t>10/8/2017</a:t>
+              <a:t>10/9/2017</a:t>
             </a:fld>
             <a:endParaRPr lang="en-US"/>
           </a:p>
@@ -3162,7 +3162,7 @@
           <a:p>
             <a:fld id="{0A6739DA-CCA4-41B1-9D97-8B4E249E8D57}" type="datetimeFigureOut">
               <a:rPr lang="en-US" smtClean="0"/>
-              <a:t>10/8/2017</a:t>
+              <a:t>10/9/2017</a:t>
             </a:fld>
             <a:endParaRPr lang="en-US"/>
           </a:p>
@@ -3546,7 +3546,7 @@
         <p:spPr>
           <a:xfrm>
             <a:off x="-11866" y="0"/>
-            <a:ext cx="10813216" cy="10325904"/>
+            <a:ext cx="10813216" cy="9479518"/>
           </a:xfrm>
           <a:prstGeom prst="rect">
             <a:avLst/>
@@ -3591,10 +3591,6 @@
               <a:rPr lang="sk-SK" sz="5500" dirty="0"/>
               <a:t>konštruovania robotov odrádza mnohých ľudí </a:t>
             </a:r>
-            <a:endParaRPr lang="sk-SK" sz="5500" dirty="0" smtClean="0"/>
-          </a:p>
-          <a:p>
-            <a:pPr algn="ctr"/>
             <a:r>
               <a:rPr lang="sk-SK" sz="5500" dirty="0" smtClean="0"/>
               <a:t>od </a:t>
@@ -3617,11 +3613,31 @@
             </a:r>
             <a:r>
               <a:rPr lang="sk-SK" sz="5500" dirty="0"/>
-              <a:t>konštrukciou a vytváraním </a:t>
-            </a:r>
+              <a:t>konštrukciou </a:t>
+            </a:r>
+            <a:endParaRPr lang="sk-SK" sz="5500" dirty="0" smtClean="0"/>
+          </a:p>
+          <a:p>
+            <a:pPr algn="ctr"/>
             <a:r>
               <a:rPr lang="sk-SK" sz="5500" dirty="0" smtClean="0"/>
-              <a:t>programov a programovaním robotov. </a:t>
+              <a:t>a </a:t>
+            </a:r>
+            <a:r>
+              <a:rPr lang="sk-SK" sz="5500" dirty="0"/>
+              <a:t>vytváraním </a:t>
+            </a:r>
+            <a:r>
+              <a:rPr lang="sk-SK" sz="5500" dirty="0" smtClean="0"/>
+              <a:t>programov </a:t>
+            </a:r>
+            <a:r>
+              <a:rPr lang="sk-SK" sz="5500" dirty="0" smtClean="0"/>
+              <a:t>a programovaním </a:t>
+            </a:r>
+            <a:r>
+              <a:rPr lang="sk-SK" sz="5500" dirty="0" smtClean="0"/>
+              <a:t>robotov. </a:t>
             </a:r>
             <a:endParaRPr lang="en-US" sz="5500" dirty="0"/>
           </a:p>
@@ -3702,7 +3718,7 @@
         <p:spPr>
           <a:xfrm>
             <a:off x="-11866" y="14410613"/>
-            <a:ext cx="10813216" cy="8633133"/>
+            <a:ext cx="10813216" cy="15050274"/>
           </a:xfrm>
           <a:prstGeom prst="rect">
             <a:avLst/>
@@ -3721,7 +3737,7 @@
           <a:p>
             <a:pPr algn="ctr"/>
             <a:r>
-              <a:rPr lang="sk-SK" sz="5500" b="1" dirty="0" smtClean="0">
+              <a:rPr lang="sk-SK" sz="4800" b="1" dirty="0" smtClean="0">
                 <a:solidFill>
                   <a:srgbClr val="0070C0"/>
                 </a:solidFill>
@@ -3732,24 +3748,107 @@
           <a:p>
             <a:pPr algn="ctr"/>
             <a:r>
-              <a:rPr lang="sk-SK" sz="5500" dirty="0" smtClean="0"/>
-              <a:t>Chceli sme vymyslieť robota, ktorý by mal neobmedzené funkcie, bol by jednoduchý na programovanie </a:t>
+              <a:rPr lang="sk-SK" sz="4800" dirty="0" smtClean="0"/>
+              <a:t>Predpokladali</a:t>
+            </a:r>
+            <a:r>
+              <a:rPr lang="sk-SK" sz="4800" dirty="0" smtClean="0"/>
+              <a:t> sme, že ľudí na programovaní a konštruovaní robotov odrádza nutnosť predošlých vedomostí. Preto sme chceli vymyslieť takého robota, aby užívateľ </a:t>
+            </a:r>
+            <a:r>
+              <a:rPr lang="sk-SK" sz="4800" dirty="0" smtClean="0"/>
+              <a:t>na programovanie nepotreboval žiadne predošlé skúsenosti </a:t>
             </a:r>
           </a:p>
           <a:p>
             <a:pPr algn="ctr"/>
             <a:r>
-              <a:rPr lang="sk-SK" sz="5500" dirty="0" smtClean="0"/>
-              <a:t>i konštruovanie a užívateľ by sa všetko učil hravou formou. Zamýšľali sme sa teda nad vytvorením knižníc </a:t>
-            </a:r>
+              <a:rPr lang="sk-SK" sz="4800" dirty="0" smtClean="0"/>
+              <a:t>a pracoval s ním zábavnou formou. Robot by mal množstvo komponentov, senzorov a funkcií a zároveň by</a:t>
+            </a:r>
+            <a:r>
+              <a:rPr lang="sk-SK" sz="4800" dirty="0" smtClean="0"/>
+              <a:t> bol </a:t>
+            </a:r>
+            <a:r>
+              <a:rPr lang="sk-SK" sz="4800" dirty="0" smtClean="0"/>
+              <a:t>jednoduchý </a:t>
+            </a:r>
+            <a:endParaRPr lang="sk-SK" sz="4800" dirty="0" smtClean="0"/>
           </a:p>
           <a:p>
             <a:pPr algn="ctr"/>
             <a:r>
-              <a:rPr lang="sk-SK" sz="5500" dirty="0" smtClean="0"/>
-              <a:t>a príručiek, ktoré by celý tento proces iba uľahčili.</a:t>
-            </a:r>
-            <a:endParaRPr lang="en-US" sz="5500" dirty="0"/>
+              <a:rPr lang="sk-SK" sz="4800" dirty="0" smtClean="0"/>
+              <a:t>na </a:t>
+            </a:r>
+            <a:r>
+              <a:rPr lang="sk-SK" sz="4800" dirty="0" smtClean="0"/>
+              <a:t>programovanie </a:t>
+            </a:r>
+            <a:r>
+              <a:rPr lang="sk-SK" sz="4800" dirty="0" smtClean="0"/>
+              <a:t>i konštruovanie. </a:t>
+            </a:r>
+            <a:r>
+              <a:rPr lang="sk-SK" sz="4800" dirty="0" smtClean="0"/>
+              <a:t>Zamýšľali sme sa teda nad vytvorením knižníc </a:t>
+            </a:r>
+            <a:r>
+              <a:rPr lang="sk-SK" sz="4800" dirty="0" smtClean="0"/>
+              <a:t>a </a:t>
+            </a:r>
+            <a:r>
+              <a:rPr lang="sk-SK" sz="4800" dirty="0" smtClean="0"/>
+              <a:t>príručiek, ktoré by celý tento proces iba uľahčili</a:t>
+            </a:r>
+            <a:r>
+              <a:rPr lang="sk-SK" sz="4800" dirty="0" smtClean="0"/>
+              <a:t>. Tento proces by užívateľ ďalej mohol programovať na troch úrovniach:</a:t>
+            </a:r>
+          </a:p>
+          <a:p>
+            <a:pPr marL="914400" indent="-914400" algn="ctr">
+              <a:buFont typeface="+mj-lt"/>
+              <a:buAutoNum type="arabicPeriod"/>
+            </a:pPr>
+            <a:r>
+              <a:rPr lang="sk-SK" sz="4800" dirty="0" smtClean="0"/>
+              <a:t>Pomocou našich knižníc</a:t>
+            </a:r>
+          </a:p>
+          <a:p>
+            <a:pPr marL="914400" indent="-914400" algn="ctr">
+              <a:buFont typeface="+mj-lt"/>
+              <a:buAutoNum type="arabicPeriod"/>
+            </a:pPr>
+            <a:r>
+              <a:rPr lang="sk-SK" sz="4800" dirty="0" smtClean="0"/>
+              <a:t>V programe </a:t>
+            </a:r>
+            <a:r>
+              <a:rPr lang="sk-SK" sz="4800" dirty="0" err="1" smtClean="0"/>
+              <a:t>Arduino</a:t>
+            </a:r>
+            <a:r>
+              <a:rPr lang="sk-SK" sz="4800" dirty="0" smtClean="0"/>
+              <a:t> IDE</a:t>
+            </a:r>
+          </a:p>
+          <a:p>
+            <a:pPr marL="914400" indent="-914400" algn="ctr">
+              <a:buFont typeface="+mj-lt"/>
+              <a:buAutoNum type="arabicPeriod"/>
+            </a:pPr>
+            <a:r>
+              <a:rPr lang="sk-SK" sz="4800" dirty="0" smtClean="0"/>
+              <a:t>AVR Register </a:t>
+            </a:r>
+            <a:r>
+              <a:rPr lang="sk-SK" sz="4800" dirty="0" err="1" smtClean="0"/>
+              <a:t>Manipulation</a:t>
+            </a:r>
+            <a:endParaRPr lang="en-US" sz="4800" dirty="0"/>
           </a:p>
         </p:txBody>
       </p:sp>

--- a/Dokumentácia a propagácia/poster boky.pptx
+++ b/Dokumentácia a propagácia/poster boky.pptx
@@ -10,7 +10,7 @@
   <p:sldIdLst>
     <p:sldId id="256" r:id="rId2"/>
   </p:sldIdLst>
-  <p:sldSz cx="10801350" cy="43205400"/>
+  <p:sldSz cx="10801350" cy="38884225"/>
   <p:notesSz cx="6858000" cy="9144000"/>
   <p:defaultTextStyle>
     <a:defPPr>
@@ -192,7 +192,7 @@
           <a:p>
             <a:fld id="{03E6D7B9-1866-4663-86DC-96B9B613D958}" type="datetimeFigureOut">
               <a:rPr lang="en-US" smtClean="0"/>
-              <a:t>10/9/2017</a:t>
+              <a:t>10/10/2017</a:t>
             </a:fld>
             <a:endParaRPr lang="en-US"/>
           </a:p>
@@ -210,8 +210,8 @@
         </p:nvSpPr>
         <p:spPr>
           <a:xfrm>
-            <a:off x="3000375" y="685800"/>
-            <a:ext cx="857250" cy="3429000"/>
+            <a:off x="2952750" y="685800"/>
+            <a:ext cx="952500" cy="3429000"/>
           </a:xfrm>
           <a:prstGeom prst="rect">
             <a:avLst/>
@@ -487,7 +487,12 @@
             <p:ph type="sldImg"/>
           </p:nvPr>
         </p:nvSpPr>
-        <p:spPr/>
+        <p:spPr>
+          <a:xfrm>
+            <a:off x="2952750" y="685800"/>
+            <a:ext cx="952500" cy="3429000"/>
+          </a:xfrm>
+        </p:spPr>
       </p:sp>
       <p:sp>
         <p:nvSpPr>
@@ -573,8 +578,8 @@
         </p:nvSpPr>
         <p:spPr>
           <a:xfrm>
-            <a:off x="810101" y="13421680"/>
-            <a:ext cx="9181148" cy="9261158"/>
+            <a:off x="810101" y="12079315"/>
+            <a:ext cx="9181148" cy="8334906"/>
           </a:xfrm>
         </p:spPr>
         <p:txBody>
@@ -601,8 +606,8 @@
         </p:nvSpPr>
         <p:spPr>
           <a:xfrm>
-            <a:off x="1620203" y="24483060"/>
-            <a:ext cx="7560945" cy="11041380"/>
+            <a:off x="1620204" y="22034394"/>
+            <a:ext cx="7560945" cy="9937080"/>
           </a:xfrm>
         </p:spPr>
         <p:txBody>
@@ -725,7 +730,7 @@
           <a:p>
             <a:fld id="{0A6739DA-CCA4-41B1-9D97-8B4E249E8D57}" type="datetimeFigureOut">
               <a:rPr lang="en-US" smtClean="0"/>
-              <a:t>10/9/2017</a:t>
+              <a:t>10/10/2017</a:t>
             </a:fld>
             <a:endParaRPr lang="en-US"/>
           </a:p>
@@ -895,7 +900,7 @@
           <a:p>
             <a:fld id="{0A6739DA-CCA4-41B1-9D97-8B4E249E8D57}" type="datetimeFigureOut">
               <a:rPr lang="en-US" smtClean="0"/>
-              <a:t>10/9/2017</a:t>
+              <a:t>10/10/2017</a:t>
             </a:fld>
             <a:endParaRPr lang="en-US"/>
           </a:p>
@@ -985,8 +990,8 @@
         </p:nvSpPr>
         <p:spPr>
           <a:xfrm>
-            <a:off x="9250532" y="10901365"/>
-            <a:ext cx="2870983" cy="232249028"/>
+            <a:off x="9250533" y="9811068"/>
+            <a:ext cx="2870983" cy="209020712"/>
           </a:xfrm>
         </p:spPr>
         <p:txBody>
@@ -1013,8 +1018,8 @@
         </p:nvSpPr>
         <p:spPr>
           <a:xfrm>
-            <a:off x="637579" y="10901365"/>
-            <a:ext cx="8432930" cy="232249028"/>
+            <a:off x="637579" y="9811068"/>
+            <a:ext cx="8432930" cy="209020712"/>
           </a:xfrm>
         </p:spPr>
         <p:txBody>
@@ -1075,7 +1080,7 @@
           <a:p>
             <a:fld id="{0A6739DA-CCA4-41B1-9D97-8B4E249E8D57}" type="datetimeFigureOut">
               <a:rPr lang="en-US" smtClean="0"/>
-              <a:t>10/9/2017</a:t>
+              <a:t>10/10/2017</a:t>
             </a:fld>
             <a:endParaRPr lang="en-US"/>
           </a:p>
@@ -1245,7 +1250,7 @@
           <a:p>
             <a:fld id="{0A6739DA-CCA4-41B1-9D97-8B4E249E8D57}" type="datetimeFigureOut">
               <a:rPr lang="en-US" smtClean="0"/>
-              <a:t>10/9/2017</a:t>
+              <a:t>10/10/2017</a:t>
             </a:fld>
             <a:endParaRPr lang="en-US"/>
           </a:p>
@@ -1335,8 +1340,8 @@
         </p:nvSpPr>
         <p:spPr>
           <a:xfrm>
-            <a:off x="853232" y="27763473"/>
-            <a:ext cx="9181148" cy="8581073"/>
+            <a:off x="853232" y="24986718"/>
+            <a:ext cx="9181148" cy="7722840"/>
           </a:xfrm>
         </p:spPr>
         <p:txBody>
@@ -1367,8 +1372,8 @@
         </p:nvSpPr>
         <p:spPr>
           <a:xfrm>
-            <a:off x="853232" y="18312295"/>
-            <a:ext cx="9181148" cy="9451178"/>
+            <a:off x="853232" y="16480797"/>
+            <a:ext cx="9181148" cy="8505921"/>
           </a:xfrm>
         </p:spPr>
         <p:txBody>
@@ -1491,7 +1496,7 @@
           <a:p>
             <a:fld id="{0A6739DA-CCA4-41B1-9D97-8B4E249E8D57}" type="datetimeFigureOut">
               <a:rPr lang="en-US" smtClean="0"/>
-              <a:t>10/9/2017</a:t>
+              <a:t>10/10/2017</a:t>
             </a:fld>
             <a:endParaRPr lang="en-US"/>
           </a:p>
@@ -1604,8 +1609,8 @@
         </p:nvSpPr>
         <p:spPr>
           <a:xfrm>
-            <a:off x="637580" y="63507940"/>
-            <a:ext cx="5651956" cy="179642453"/>
+            <a:off x="637580" y="57156213"/>
+            <a:ext cx="5651956" cy="161675567"/>
           </a:xfrm>
         </p:spPr>
         <p:txBody>
@@ -1689,8 +1694,8 @@
         </p:nvSpPr>
         <p:spPr>
           <a:xfrm>
-            <a:off x="6469559" y="63507940"/>
-            <a:ext cx="5651956" cy="179642453"/>
+            <a:off x="6469559" y="57156213"/>
+            <a:ext cx="5651956" cy="161675567"/>
           </a:xfrm>
         </p:spPr>
         <p:txBody>
@@ -1779,7 +1784,7 @@
           <a:p>
             <a:fld id="{0A6739DA-CCA4-41B1-9D97-8B4E249E8D57}" type="datetimeFigureOut">
               <a:rPr lang="en-US" smtClean="0"/>
-              <a:t>10/9/2017</a:t>
+              <a:t>10/10/2017</a:t>
             </a:fld>
             <a:endParaRPr lang="en-US"/>
           </a:p>
@@ -1869,8 +1874,8 @@
         </p:nvSpPr>
         <p:spPr>
           <a:xfrm>
-            <a:off x="540068" y="1730219"/>
-            <a:ext cx="9721215" cy="7200900"/>
+            <a:off x="540069" y="1557172"/>
+            <a:ext cx="9721215" cy="6480704"/>
           </a:xfrm>
         </p:spPr>
         <p:txBody>
@@ -1901,8 +1906,8 @@
         </p:nvSpPr>
         <p:spPr>
           <a:xfrm>
-            <a:off x="540068" y="9671212"/>
-            <a:ext cx="4772472" cy="4030501"/>
+            <a:off x="540068" y="8703949"/>
+            <a:ext cx="4772472" cy="3627392"/>
           </a:xfrm>
         </p:spPr>
         <p:txBody>
@@ -1966,8 +1971,8 @@
         </p:nvSpPr>
         <p:spPr>
           <a:xfrm>
-            <a:off x="540068" y="13701713"/>
-            <a:ext cx="4772472" cy="24893114"/>
+            <a:off x="540068" y="12331340"/>
+            <a:ext cx="4772472" cy="22403437"/>
           </a:xfrm>
         </p:spPr>
         <p:txBody>
@@ -2051,8 +2056,8 @@
         </p:nvSpPr>
         <p:spPr>
           <a:xfrm>
-            <a:off x="5486936" y="9671212"/>
-            <a:ext cx="4774347" cy="4030501"/>
+            <a:off x="5486937" y="8703949"/>
+            <a:ext cx="4774347" cy="3627392"/>
           </a:xfrm>
         </p:spPr>
         <p:txBody>
@@ -2116,8 +2121,8 @@
         </p:nvSpPr>
         <p:spPr>
           <a:xfrm>
-            <a:off x="5486936" y="13701713"/>
-            <a:ext cx="4774347" cy="24893114"/>
+            <a:off x="5486937" y="12331340"/>
+            <a:ext cx="4774347" cy="22403437"/>
           </a:xfrm>
         </p:spPr>
         <p:txBody>
@@ -2206,7 +2211,7 @@
           <a:p>
             <a:fld id="{0A6739DA-CCA4-41B1-9D97-8B4E249E8D57}" type="datetimeFigureOut">
               <a:rPr lang="en-US" smtClean="0"/>
-              <a:t>10/9/2017</a:t>
+              <a:t>10/10/2017</a:t>
             </a:fld>
             <a:endParaRPr lang="en-US"/>
           </a:p>
@@ -2324,7 +2329,7 @@
           <a:p>
             <a:fld id="{0A6739DA-CCA4-41B1-9D97-8B4E249E8D57}" type="datetimeFigureOut">
               <a:rPr lang="en-US" smtClean="0"/>
-              <a:t>10/9/2017</a:t>
+              <a:t>10/10/2017</a:t>
             </a:fld>
             <a:endParaRPr lang="en-US"/>
           </a:p>
@@ -2419,7 +2424,7 @@
           <a:p>
             <a:fld id="{0A6739DA-CCA4-41B1-9D97-8B4E249E8D57}" type="datetimeFigureOut">
               <a:rPr lang="en-US" smtClean="0"/>
-              <a:t>10/9/2017</a:t>
+              <a:t>10/10/2017</a:t>
             </a:fld>
             <a:endParaRPr lang="en-US"/>
           </a:p>
@@ -2509,8 +2514,8 @@
         </p:nvSpPr>
         <p:spPr>
           <a:xfrm>
-            <a:off x="540068" y="1720215"/>
-            <a:ext cx="3553570" cy="7320915"/>
+            <a:off x="540068" y="1548169"/>
+            <a:ext cx="3553570" cy="6588716"/>
           </a:xfrm>
         </p:spPr>
         <p:txBody>
@@ -2541,8 +2546,8 @@
         </p:nvSpPr>
         <p:spPr>
           <a:xfrm>
-            <a:off x="4223028" y="1720218"/>
-            <a:ext cx="6038255" cy="36874612"/>
+            <a:off x="4223029" y="1548171"/>
+            <a:ext cx="6038255" cy="33186609"/>
           </a:xfrm>
         </p:spPr>
         <p:txBody>
@@ -2626,8 +2631,8 @@
         </p:nvSpPr>
         <p:spPr>
           <a:xfrm>
-            <a:off x="540068" y="9041133"/>
-            <a:ext cx="3553570" cy="29553697"/>
+            <a:off x="540068" y="8136887"/>
+            <a:ext cx="3553570" cy="26597893"/>
           </a:xfrm>
         </p:spPr>
         <p:txBody>
@@ -2696,7 +2701,7 @@
           <a:p>
             <a:fld id="{0A6739DA-CCA4-41B1-9D97-8B4E249E8D57}" type="datetimeFigureOut">
               <a:rPr lang="en-US" smtClean="0"/>
-              <a:t>10/9/2017</a:t>
+              <a:t>10/10/2017</a:t>
             </a:fld>
             <a:endParaRPr lang="en-US"/>
           </a:p>
@@ -2786,8 +2791,8 @@
         </p:nvSpPr>
         <p:spPr>
           <a:xfrm>
-            <a:off x="2117140" y="30243780"/>
-            <a:ext cx="6480810" cy="3570449"/>
+            <a:off x="2117140" y="27218958"/>
+            <a:ext cx="6480810" cy="3213352"/>
           </a:xfrm>
         </p:spPr>
         <p:txBody>
@@ -2818,8 +2823,8 @@
         </p:nvSpPr>
         <p:spPr>
           <a:xfrm>
-            <a:off x="2117140" y="3860483"/>
-            <a:ext cx="6480810" cy="25923240"/>
+            <a:off x="2117140" y="3474378"/>
+            <a:ext cx="6480810" cy="23330535"/>
           </a:xfrm>
         </p:spPr>
         <p:txBody>
@@ -2879,8 +2884,8 @@
         </p:nvSpPr>
         <p:spPr>
           <a:xfrm>
-            <a:off x="2117140" y="33814229"/>
-            <a:ext cx="6480810" cy="5070631"/>
+            <a:off x="2117140" y="30432310"/>
+            <a:ext cx="6480810" cy="4563493"/>
           </a:xfrm>
         </p:spPr>
         <p:txBody>
@@ -2949,7 +2954,7 @@
           <a:p>
             <a:fld id="{0A6739DA-CCA4-41B1-9D97-8B4E249E8D57}" type="datetimeFigureOut">
               <a:rPr lang="en-US" smtClean="0"/>
-              <a:t>10/9/2017</a:t>
+              <a:t>10/10/2017</a:t>
             </a:fld>
             <a:endParaRPr lang="en-US"/>
           </a:p>
@@ -3014,9 +3019,33 @@
 <p:sldMaster xmlns:a="http://schemas.openxmlformats.org/drawingml/2006/main" xmlns:r="http://schemas.openxmlformats.org/officeDocument/2006/relationships" xmlns:p="http://schemas.openxmlformats.org/presentationml/2006/main">
   <p:cSld>
     <p:bg>
-      <p:bgRef idx="1001">
-        <a:schemeClr val="bg1"/>
-      </p:bgRef>
+      <p:bgPr>
+        <a:gradFill flip="none" rotWithShape="1">
+          <a:gsLst>
+            <a:gs pos="0">
+              <a:schemeClr val="accent1">
+                <a:tint val="66000"/>
+                <a:satMod val="160000"/>
+              </a:schemeClr>
+            </a:gs>
+            <a:gs pos="50000">
+              <a:schemeClr val="accent1">
+                <a:tint val="44500"/>
+                <a:satMod val="160000"/>
+              </a:schemeClr>
+            </a:gs>
+            <a:gs pos="100000">
+              <a:schemeClr val="accent1">
+                <a:tint val="23500"/>
+                <a:satMod val="160000"/>
+              </a:schemeClr>
+            </a:gs>
+          </a:gsLst>
+          <a:lin ang="5400000" scaled="0"/>
+          <a:tileRect/>
+        </a:gradFill>
+        <a:effectLst/>
+      </p:bgPr>
     </p:bg>
     <p:spTree>
       <p:nvGrpSpPr>
@@ -3044,8 +3073,8 @@
         </p:nvSpPr>
         <p:spPr>
           <a:xfrm>
-            <a:off x="540068" y="1730219"/>
-            <a:ext cx="9721215" cy="7200900"/>
+            <a:off x="540069" y="1557172"/>
+            <a:ext cx="9721215" cy="6480704"/>
           </a:xfrm>
           <a:prstGeom prst="rect">
             <a:avLst/>
@@ -3077,8 +3106,8 @@
         </p:nvSpPr>
         <p:spPr>
           <a:xfrm>
-            <a:off x="540068" y="10081263"/>
-            <a:ext cx="9721215" cy="28513567"/>
+            <a:off x="540069" y="9072989"/>
+            <a:ext cx="9721215" cy="25661791"/>
           </a:xfrm>
           <a:prstGeom prst="rect">
             <a:avLst/>
@@ -3139,8 +3168,8 @@
         </p:nvSpPr>
         <p:spPr>
           <a:xfrm>
-            <a:off x="540068" y="40045008"/>
-            <a:ext cx="2520315" cy="2300288"/>
+            <a:off x="540068" y="36039919"/>
+            <a:ext cx="2520315" cy="2070225"/>
           </a:xfrm>
           <a:prstGeom prst="rect">
             <a:avLst/>
@@ -3162,7 +3191,7 @@
           <a:p>
             <a:fld id="{0A6739DA-CCA4-41B1-9D97-8B4E249E8D57}" type="datetimeFigureOut">
               <a:rPr lang="en-US" smtClean="0"/>
-              <a:t>10/9/2017</a:t>
+              <a:t>10/10/2017</a:t>
             </a:fld>
             <a:endParaRPr lang="en-US"/>
           </a:p>
@@ -3180,8 +3209,8 @@
         </p:nvSpPr>
         <p:spPr>
           <a:xfrm>
-            <a:off x="3690461" y="40045008"/>
-            <a:ext cx="3420428" cy="2300288"/>
+            <a:off x="3690461" y="36039919"/>
+            <a:ext cx="3420428" cy="2070225"/>
           </a:xfrm>
           <a:prstGeom prst="rect">
             <a:avLst/>
@@ -3217,8 +3246,8 @@
         </p:nvSpPr>
         <p:spPr>
           <a:xfrm>
-            <a:off x="7740968" y="40045008"/>
-            <a:ext cx="2520315" cy="2300288"/>
+            <a:off x="7740969" y="36039919"/>
+            <a:ext cx="2520315" cy="2070225"/>
           </a:xfrm>
           <a:prstGeom prst="rect">
             <a:avLst/>
@@ -3545,8 +3574,8 @@
         </p:nvSpPr>
         <p:spPr>
           <a:xfrm>
-            <a:off x="-11866" y="0"/>
-            <a:ext cx="10813216" cy="9479518"/>
+            <a:off x="536409" y="71960"/>
+            <a:ext cx="9720000" cy="38826013"/>
           </a:xfrm>
           <a:prstGeom prst="rect">
             <a:avLst/>
@@ -3560,7 +3589,11 @@
           <a:lstStyle/>
           <a:p>
             <a:pPr algn="ctr"/>
-            <a:endParaRPr lang="sk-SK" sz="6000" dirty="0" smtClean="0"/>
+            <a:endParaRPr lang="sk-SK" sz="5500" b="1" dirty="0" smtClean="0">
+              <a:solidFill>
+                <a:srgbClr val="0070C0"/>
+              </a:solidFill>
+            </a:endParaRPr>
           </a:p>
           <a:p>
             <a:pPr algn="ctr"/>
@@ -3575,84 +3608,254 @@
           </a:p>
           <a:p>
             <a:pPr algn="ctr"/>
-            <a:r>
-              <a:rPr lang="sk-SK" sz="5500" dirty="0"/>
-              <a:t>Obavy z náročnosti programovania </a:t>
-            </a:r>
-            <a:endParaRPr lang="sk-SK" sz="5500" dirty="0" smtClean="0"/>
+            <a:endParaRPr lang="sk-SK" sz="5500" b="1" dirty="0" smtClean="0">
+              <a:solidFill>
+                <a:srgbClr val="0070C0"/>
+              </a:solidFill>
+            </a:endParaRPr>
           </a:p>
           <a:p>
             <a:pPr algn="ctr"/>
             <a:r>
-              <a:rPr lang="sk-SK" sz="5500" dirty="0" smtClean="0"/>
+              <a:rPr lang="sk-SK" sz="5200" dirty="0" smtClean="0"/>
+              <a:t>Obavy </a:t>
+            </a:r>
+            <a:r>
+              <a:rPr lang="sk-SK" sz="5200" dirty="0"/>
+              <a:t>z náročnosti programovania </a:t>
+            </a:r>
+            <a:endParaRPr lang="sk-SK" sz="5200" dirty="0"/>
+          </a:p>
+          <a:p>
+            <a:pPr algn="ctr"/>
+            <a:r>
+              <a:rPr lang="sk-SK" sz="5200" dirty="0"/>
               <a:t>a </a:t>
             </a:r>
             <a:r>
-              <a:rPr lang="sk-SK" sz="5500" dirty="0"/>
-              <a:t>konštruovania robotov odrádza mnohých ľudí </a:t>
-            </a:r>
-            <a:r>
-              <a:rPr lang="sk-SK" sz="5500" dirty="0" smtClean="0"/>
+              <a:rPr lang="sk-SK" sz="5200" dirty="0"/>
+              <a:t>konštruovania robotov </a:t>
+            </a:r>
+            <a:r>
+              <a:rPr lang="sk-SK" sz="5200" dirty="0" smtClean="0"/>
+              <a:t/>
+            </a:r>
+            <a:br>
+              <a:rPr lang="sk-SK" sz="5200" dirty="0" smtClean="0"/>
+            </a:br>
+            <a:r>
+              <a:rPr lang="en-US" sz="5200" dirty="0" smtClean="0"/>
+              <a:t>s mikroprocesormi </a:t>
+            </a:r>
+            <a:r>
+              <a:rPr lang="sk-SK" sz="5200" dirty="0" smtClean="0"/>
+              <a:t>odrádza </a:t>
+            </a:r>
+            <a:r>
+              <a:rPr lang="sk-SK" sz="5200" dirty="0"/>
+              <a:t>mnohých ľudí </a:t>
+            </a:r>
+            <a:r>
+              <a:rPr lang="sk-SK" sz="5200" dirty="0"/>
               <a:t>od </a:t>
             </a:r>
             <a:r>
-              <a:rPr lang="sk-SK" sz="5500" dirty="0"/>
+              <a:rPr lang="sk-SK" sz="5200" dirty="0"/>
               <a:t>toho, aby </a:t>
             </a:r>
             <a:r>
-              <a:rPr lang="sk-SK" sz="5500" dirty="0" smtClean="0"/>
-              <a:t>sa tomu venovali. </a:t>
-            </a:r>
-            <a:r>
-              <a:rPr lang="sk-SK" sz="5500" dirty="0"/>
-              <a:t>Potvrdili nám to aj výsledky nášho dotazníka. Účelom tohto projektu je záujemcom o robotiku zjednodušiť prácu </a:t>
-            </a:r>
-            <a:r>
-              <a:rPr lang="sk-SK" sz="5500" dirty="0" smtClean="0"/>
-              <a:t>s </a:t>
-            </a:r>
-            <a:r>
-              <a:rPr lang="sk-SK" sz="5500" dirty="0"/>
-              <a:t>konštrukciou </a:t>
-            </a:r>
-            <a:endParaRPr lang="sk-SK" sz="5500" dirty="0" smtClean="0"/>
+              <a:rPr lang="sk-SK" sz="5200" dirty="0"/>
+              <a:t>sa tomu venovali. Potvrdili </a:t>
+            </a:r>
+            <a:r>
+              <a:rPr lang="sk-SK" sz="5200" dirty="0"/>
+              <a:t>nám to aj výsledky nášho dotazníka. </a:t>
+            </a:r>
+            <a:r>
+              <a:rPr lang="sk-SK" sz="5200" dirty="0" smtClean="0"/>
+              <a:t/>
+            </a:r>
+            <a:br>
+              <a:rPr lang="sk-SK" sz="5200" dirty="0" smtClean="0"/>
+            </a:br>
+            <a:r>
+              <a:rPr lang="sk-SK" sz="5200" dirty="0" smtClean="0"/>
+              <a:t>Cieľom projektu </a:t>
+            </a:r>
+            <a:r>
+              <a:rPr lang="sk-SK" sz="5200" dirty="0"/>
+              <a:t>Cing </a:t>
+            </a:r>
+            <a:r>
+              <a:rPr lang="sk-SK" sz="5200" dirty="0" smtClean="0"/>
+              <a:t>je</a:t>
+            </a:r>
+            <a:r>
+              <a:rPr lang="en-US" sz="5200" dirty="0" smtClean="0"/>
+              <a:t> </a:t>
+            </a:r>
+            <a:r>
+              <a:rPr lang="sk-SK" sz="5200" dirty="0" smtClean="0"/>
+              <a:t>začínajúcim nadšencom elektroniky a robotiky zjednodušiť</a:t>
+            </a:r>
+            <a:r>
+              <a:rPr lang="en-US" sz="5200" dirty="0" smtClean="0"/>
+              <a:t> </a:t>
+            </a:r>
+            <a:r>
+              <a:rPr lang="sk-SK" sz="5200" dirty="0" smtClean="0"/>
+              <a:t>prácu s konštrukciou</a:t>
+            </a:r>
+            <a:r>
+              <a:rPr lang="en-US" sz="5200" dirty="0" smtClean="0"/>
+              <a:t> </a:t>
+            </a:r>
+            <a:r>
+              <a:rPr lang="sk-SK" sz="5200" dirty="0" smtClean="0"/>
+              <a:t/>
+            </a:r>
+            <a:br>
+              <a:rPr lang="sk-SK" sz="5200" dirty="0" smtClean="0"/>
+            </a:br>
+            <a:r>
+              <a:rPr lang="sk-SK" sz="5200" dirty="0" smtClean="0"/>
+              <a:t>i programovaním.</a:t>
+            </a:r>
           </a:p>
           <a:p>
             <a:pPr algn="ctr"/>
-            <a:r>
-              <a:rPr lang="sk-SK" sz="5500" dirty="0" smtClean="0"/>
-              <a:t>a </a:t>
-            </a:r>
-            <a:r>
-              <a:rPr lang="sk-SK" sz="5500" dirty="0"/>
-              <a:t>vytváraním </a:t>
-            </a:r>
-            <a:r>
-              <a:rPr lang="sk-SK" sz="5500" dirty="0" smtClean="0"/>
-              <a:t>programov </a:t>
-            </a:r>
-            <a:r>
-              <a:rPr lang="sk-SK" sz="5500" dirty="0" smtClean="0"/>
-              <a:t>a programovaním </a:t>
-            </a:r>
-            <a:r>
-              <a:rPr lang="sk-SK" sz="5500" dirty="0" smtClean="0"/>
-              <a:t>robotov. </a:t>
-            </a:r>
-            <a:endParaRPr lang="en-US" sz="5500" dirty="0"/>
-          </a:p>
-        </p:txBody>
-      </p:sp>
-      <p:sp>
-        <p:nvSpPr>
-          <p:cNvPr id="7" name="BlokTextu 6"/>
+            <a:endParaRPr lang="sk-SK" sz="5200" dirty="0" smtClean="0"/>
+          </a:p>
+          <a:p>
+            <a:pPr algn="ctr"/>
+            <a:endParaRPr lang="sk-SK" sz="5200" dirty="0"/>
+          </a:p>
+          <a:p>
+            <a:pPr algn="ctr"/>
+            <a:r>
+              <a:rPr lang="sk-SK" sz="5500" b="1" dirty="0">
+                <a:solidFill>
+                  <a:srgbClr val="0070C0"/>
+                </a:solidFill>
+              </a:rPr>
+              <a:t>HYPOTÉZY</a:t>
+            </a:r>
+          </a:p>
+          <a:p>
+            <a:pPr algn="ctr"/>
+            <a:endParaRPr lang="sk-SK" sz="5500" b="1" dirty="0">
+              <a:solidFill>
+                <a:srgbClr val="0070C0"/>
+              </a:solidFill>
+            </a:endParaRPr>
+          </a:p>
+          <a:p>
+            <a:pPr algn="ctr"/>
+            <a:r>
+              <a:rPr lang="sk-SK" sz="5200" dirty="0"/>
+              <a:t>Učenie programovania zábavnou formou je úspešnejšie ako učenie sa teoreticky.</a:t>
+            </a:r>
+          </a:p>
+          <a:p>
+            <a:pPr algn="ctr"/>
+            <a:endParaRPr lang="sk-SK" sz="5200" dirty="0"/>
+          </a:p>
+          <a:p>
+            <a:pPr algn="ctr"/>
+            <a:r>
+              <a:rPr lang="sk-SK" sz="5200" dirty="0"/>
+              <a:t>Učenie programovania modelov </a:t>
+            </a:r>
+            <a:br>
+              <a:rPr lang="sk-SK" sz="5200" dirty="0"/>
+            </a:br>
+            <a:r>
+              <a:rPr lang="sk-SK" sz="5200" dirty="0"/>
+              <a:t>s mikroprocesormi u začiatočníkov v elektronike je efektívnejšie </a:t>
+            </a:r>
+            <a:br>
+              <a:rPr lang="sk-SK" sz="5200" dirty="0"/>
+            </a:br>
+            <a:r>
+              <a:rPr lang="sk-SK" sz="5200" dirty="0"/>
+              <a:t>s robotom Cing ako bez neho</a:t>
+            </a:r>
+            <a:r>
+              <a:rPr lang="sk-SK" sz="5200" dirty="0" smtClean="0"/>
+              <a:t>.</a:t>
+            </a:r>
+          </a:p>
+          <a:p>
+            <a:pPr algn="ctr"/>
+            <a:endParaRPr lang="sk-SK" sz="5200" dirty="0" smtClean="0"/>
+          </a:p>
+          <a:p>
+            <a:pPr algn="ctr"/>
+            <a:endParaRPr lang="sk-SK" sz="5200" dirty="0" smtClean="0"/>
+          </a:p>
+          <a:p>
+            <a:pPr algn="ctr"/>
+            <a:r>
+              <a:rPr lang="sk-SK" sz="5500" b="1" dirty="0">
+                <a:solidFill>
+                  <a:srgbClr val="0070C0"/>
+                </a:solidFill>
+              </a:rPr>
+              <a:t>MATERIÁLY</a:t>
+            </a:r>
+          </a:p>
+          <a:p>
+            <a:pPr algn="ctr"/>
+            <a:endParaRPr lang="sk-SK" sz="5200" dirty="0"/>
+          </a:p>
+          <a:p>
+            <a:pPr algn="ctr"/>
+            <a:r>
+              <a:rPr lang="sk-SK" sz="5200" dirty="0"/>
+              <a:t>Problém náročnosti a atraktivity programovanie robotických modelov sa pokúšalo vyriešiť mnoho firiem, napríklad Lego, Fischertechnik. Tieto firmy motivujú ľudí programovať, avšak sú v uzavretom prostredí, kde po určitom bode už neviete pokračovať. Len málo ľudí potom prejde na iné programovacie prostredie. Preto sme chceli vytvoriť robota, ktorý by mal neobmedzené funkcie </a:t>
+            </a:r>
+          </a:p>
+          <a:p>
+            <a:pPr algn="ctr"/>
+            <a:r>
+              <a:rPr lang="sk-SK" sz="5200" dirty="0"/>
+              <a:t>a pokračovania a tiež by bol nenáročný na programovanie </a:t>
+            </a:r>
+          </a:p>
+          <a:p>
+            <a:pPr algn="ctr"/>
+            <a:r>
+              <a:rPr lang="sk-SK" sz="5200" dirty="0"/>
+              <a:t>i konštruovanie aj pre používateľa bez predchádzajúcich skúseností </a:t>
+            </a:r>
+            <a:br>
+              <a:rPr lang="sk-SK" sz="5200" dirty="0"/>
+            </a:br>
+            <a:r>
+              <a:rPr lang="sk-SK" sz="5200" dirty="0"/>
+              <a:t>s elektronikou a programovaním</a:t>
+            </a:r>
+            <a:r>
+              <a:rPr lang="sk-SK" sz="5200" dirty="0" smtClean="0"/>
+              <a:t>.</a:t>
+            </a:r>
+          </a:p>
+          <a:p>
+            <a:pPr algn="ctr"/>
+            <a:endParaRPr lang="sk-SK" sz="5500" dirty="0"/>
+          </a:p>
+        </p:txBody>
+      </p:sp>
+      <p:sp>
+        <p:nvSpPr>
+          <p:cNvPr id="8" name="BlokTextu 7"/>
           <p:cNvSpPr txBox="1"/>
           <p:nvPr/>
         </p:nvSpPr>
         <p:spPr>
           <a:xfrm>
-            <a:off x="-25082" y="28810613"/>
-            <a:ext cx="10813216" cy="13711446"/>
+            <a:off x="536409" y="12169304"/>
+            <a:ext cx="9720000" cy="938719"/>
           </a:xfrm>
           <a:prstGeom prst="rect">
             <a:avLst/>
@@ -3666,189 +3869,15 @@
           <a:lstStyle/>
           <a:p>
             <a:pPr algn="ctr"/>
-            <a:endParaRPr lang="sk-SK" sz="6000" dirty="0" smtClean="0"/>
-          </a:p>
-          <a:p>
-            <a:pPr algn="ctr"/>
             <a:r>
               <a:rPr lang="sk-SK" sz="5500" b="1" dirty="0" smtClean="0">
                 <a:solidFill>
                   <a:srgbClr val="0070C0"/>
                 </a:solidFill>
               </a:rPr>
-              <a:t>MATERIÁLY</a:t>
-            </a:r>
-          </a:p>
-          <a:p>
-            <a:pPr algn="ctr"/>
-            <a:r>
-              <a:rPr lang="sk-SK" sz="5500" dirty="0" smtClean="0"/>
-              <a:t>Problém náročnosti a atraktivity sa pokúšalo vyriešiť mnoho firiem, napríklad Lego. Tieto firmy motivujú ľudí programovať, avšak sú </a:t>
-            </a:r>
-          </a:p>
-          <a:p>
-            <a:pPr algn="ctr"/>
-            <a:r>
-              <a:rPr lang="sk-SK" sz="5500" dirty="0" smtClean="0"/>
-              <a:t>v uzavretom prostredí, kde po určitom bode už neviete pokračovať. Len málo ľudí potom prejde na iné programovacie prostredie. Preto sme chceli vytvoriť robota, ktorý by mal neobmedzené funkcie </a:t>
-            </a:r>
-          </a:p>
-          <a:p>
-            <a:pPr algn="ctr"/>
-            <a:r>
-              <a:rPr lang="sk-SK" sz="5500" dirty="0" smtClean="0"/>
-              <a:t>a pokračovania, a taktiež by bol nenáročný na programovanie </a:t>
-            </a:r>
-          </a:p>
-          <a:p>
-            <a:pPr algn="ctr"/>
-            <a:r>
-              <a:rPr lang="sk-SK" sz="5500" dirty="0" smtClean="0"/>
-              <a:t>i konštruovanie a používateľ by sa učil zábavnou formou.</a:t>
-            </a:r>
-          </a:p>
-        </p:txBody>
-      </p:sp>
-      <p:sp>
-        <p:nvSpPr>
-          <p:cNvPr id="8" name="BlokTextu 7"/>
-          <p:cNvSpPr txBox="1"/>
-          <p:nvPr/>
-        </p:nvSpPr>
-        <p:spPr>
-          <a:xfrm>
-            <a:off x="-11866" y="14410613"/>
-            <a:ext cx="10813216" cy="15050274"/>
-          </a:xfrm>
-          <a:prstGeom prst="rect">
-            <a:avLst/>
-          </a:prstGeom>
-          <a:noFill/>
-        </p:spPr>
-        <p:txBody>
-          <a:bodyPr wrap="square" rtlCol="0">
-            <a:spAutoFit/>
-          </a:bodyPr>
-          <a:lstStyle/>
-          <a:p>
-            <a:pPr algn="ctr"/>
-            <a:endParaRPr lang="sk-SK" sz="6000" dirty="0" smtClean="0"/>
-          </a:p>
-          <a:p>
-            <a:pPr algn="ctr"/>
-            <a:r>
-              <a:rPr lang="sk-SK" sz="4800" b="1" dirty="0" smtClean="0">
-                <a:solidFill>
-                  <a:srgbClr val="0070C0"/>
-                </a:solidFill>
-              </a:rPr>
-              <a:t>HYPOTÉZA</a:t>
-            </a:r>
-          </a:p>
-          <a:p>
-            <a:pPr algn="ctr"/>
-            <a:r>
-              <a:rPr lang="sk-SK" sz="4800" dirty="0" smtClean="0"/>
-              <a:t>Predpokladali</a:t>
-            </a:r>
-            <a:r>
-              <a:rPr lang="sk-SK" sz="4800" dirty="0" smtClean="0"/>
-              <a:t> sme, že ľudí na programovaní a konštruovaní robotov odrádza nutnosť predošlých vedomostí. Preto sme chceli vymyslieť takého robota, aby užívateľ </a:t>
-            </a:r>
-            <a:r>
-              <a:rPr lang="sk-SK" sz="4800" dirty="0" smtClean="0"/>
-              <a:t>na programovanie nepotreboval žiadne predošlé skúsenosti </a:t>
-            </a:r>
-          </a:p>
-          <a:p>
-            <a:pPr algn="ctr"/>
-            <a:r>
-              <a:rPr lang="sk-SK" sz="4800" dirty="0" smtClean="0"/>
-              <a:t>a pracoval s ním zábavnou formou. Robot by mal množstvo komponentov, senzorov a funkcií a zároveň by</a:t>
-            </a:r>
-            <a:r>
-              <a:rPr lang="sk-SK" sz="4800" dirty="0" smtClean="0"/>
-              <a:t> bol </a:t>
-            </a:r>
-            <a:r>
-              <a:rPr lang="sk-SK" sz="4800" dirty="0" smtClean="0"/>
-              <a:t>jednoduchý </a:t>
-            </a:r>
-            <a:endParaRPr lang="sk-SK" sz="4800" dirty="0" smtClean="0"/>
-          </a:p>
-          <a:p>
-            <a:pPr algn="ctr"/>
-            <a:r>
-              <a:rPr lang="sk-SK" sz="4800" dirty="0" smtClean="0"/>
-              <a:t>na </a:t>
-            </a:r>
-            <a:r>
-              <a:rPr lang="sk-SK" sz="4800" dirty="0" smtClean="0"/>
-              <a:t>programovanie </a:t>
-            </a:r>
-            <a:r>
-              <a:rPr lang="sk-SK" sz="4800" dirty="0" smtClean="0"/>
-              <a:t>i konštruovanie. </a:t>
-            </a:r>
-            <a:r>
-              <a:rPr lang="sk-SK" sz="4800" dirty="0" smtClean="0"/>
-              <a:t>Zamýšľali sme sa teda nad vytvorením knižníc </a:t>
-            </a:r>
-            <a:r>
-              <a:rPr lang="sk-SK" sz="4800" dirty="0" smtClean="0"/>
-              <a:t>a </a:t>
-            </a:r>
-            <a:r>
-              <a:rPr lang="sk-SK" sz="4800" dirty="0" smtClean="0"/>
-              <a:t>príručiek, ktoré by celý tento proces iba uľahčili</a:t>
-            </a:r>
-            <a:r>
-              <a:rPr lang="sk-SK" sz="4800" dirty="0" smtClean="0"/>
-              <a:t>. Tento proces by užívateľ ďalej mohol programovať na troch úrovniach:</a:t>
-            </a:r>
-          </a:p>
-          <a:p>
-            <a:pPr marL="914400" indent="-914400" algn="ctr">
-              <a:buFont typeface="+mj-lt"/>
-              <a:buAutoNum type="arabicPeriod"/>
-            </a:pPr>
-            <a:r>
-              <a:rPr lang="sk-SK" sz="4800" dirty="0" smtClean="0"/>
-              <a:t>Pomocou našich knižníc</a:t>
-            </a:r>
-          </a:p>
-          <a:p>
-            <a:pPr marL="914400" indent="-914400" algn="ctr">
-              <a:buFont typeface="+mj-lt"/>
-              <a:buAutoNum type="arabicPeriod"/>
-            </a:pPr>
-            <a:r>
-              <a:rPr lang="sk-SK" sz="4800" dirty="0" smtClean="0"/>
-              <a:t>V programe </a:t>
-            </a:r>
-            <a:r>
-              <a:rPr lang="sk-SK" sz="4800" dirty="0" err="1" smtClean="0"/>
-              <a:t>Arduino</a:t>
-            </a:r>
-            <a:r>
-              <a:rPr lang="sk-SK" sz="4800" dirty="0" smtClean="0"/>
-              <a:t> IDE</a:t>
-            </a:r>
-          </a:p>
-          <a:p>
-            <a:pPr marL="914400" indent="-914400" algn="ctr">
-              <a:buFont typeface="+mj-lt"/>
-              <a:buAutoNum type="arabicPeriod"/>
-            </a:pPr>
-            <a:r>
-              <a:rPr lang="sk-SK" sz="4800" dirty="0" smtClean="0"/>
-              <a:t>AVR Register </a:t>
-            </a:r>
-            <a:r>
-              <a:rPr lang="sk-SK" sz="4800" dirty="0" err="1" smtClean="0"/>
-              <a:t>Manipulation</a:t>
-            </a:r>
-            <a:endParaRPr lang="en-US" sz="4800" dirty="0"/>
+              <a:t> </a:t>
+            </a:r>
+            <a:endParaRPr lang="sk-SK" sz="5200" dirty="0"/>
           </a:p>
         </p:txBody>
       </p:sp>
